--- a/新建 Microsoft PowerPoint 演示文稿.pptx
+++ b/新建 Microsoft PowerPoint 演示文稿.pptx
@@ -104,6 +104,11 @@
       </a:defRPr>
     </a:lvl9pPr>
   </p:defaultTextStyle>
+  <p:extLst>
+    <p:ext uri="{EFAFB233-063F-42B5-8137-9DF3F51BA10A}">
+      <p15:sldGuideLst xmlns:p15="http://schemas.microsoft.com/office/powerpoint/2012/main"/>
+    </p:ext>
+  </p:extLst>
 </p:presentation>
 </file>
 
@@ -2981,9 +2986,9 @@
           <a:p>
             <a:r>
               <a:rPr lang="en-US" altLang="zh-CN" smtClean="0"/>
-              <a:t>aaa</a:t>
-            </a:r>
-            <a:endParaRPr lang="zh-CN" altLang="en-US"/>
+              <a:t>aasa</a:t>
+            </a:r>
+            <a:endParaRPr lang="zh-CN" altLang="en-US" dirty="0"/>
           </a:p>
         </p:txBody>
       </p:sp>

--- a/新建 Microsoft PowerPoint 演示文稿.pptx
+++ b/新建 Microsoft PowerPoint 演示文稿.pptx
@@ -6,6 +6,7 @@
   </p:sldMasterIdLst>
   <p:sldIdLst>
     <p:sldId id="256" r:id="rId2"/>
+    <p:sldId id="257" r:id="rId3"/>
   </p:sldIdLst>
   <p:sldSz cx="12192000" cy="6858000"/>
   <p:notesSz cx="6858000" cy="9144000"/>
@@ -3024,6 +3025,78 @@
 </p:sld>
 </file>
 
+<file path=ppt/slides/slide2.xml><?xml version="1.0" encoding="utf-8"?>
+<p:sld xmlns:a="http://schemas.openxmlformats.org/drawingml/2006/main" xmlns:r="http://schemas.openxmlformats.org/officeDocument/2006/relationships" xmlns:p="http://schemas.openxmlformats.org/presentationml/2006/main">
+  <p:cSld>
+    <p:spTree>
+      <p:nvGrpSpPr>
+        <p:cNvPr id="1" name=""/>
+        <p:cNvGrpSpPr/>
+        <p:nvPr/>
+      </p:nvGrpSpPr>
+      <p:grpSpPr>
+        <a:xfrm>
+          <a:off x="0" y="0"/>
+          <a:ext cx="0" cy="0"/>
+          <a:chOff x="0" y="0"/>
+          <a:chExt cx="0" cy="0"/>
+        </a:xfrm>
+      </p:grpSpPr>
+      <p:sp>
+        <p:nvSpPr>
+          <p:cNvPr id="2" name="标题 1"/>
+          <p:cNvSpPr>
+            <a:spLocks noGrp="1"/>
+          </p:cNvSpPr>
+          <p:nvPr>
+            <p:ph type="ctrTitle"/>
+          </p:nvPr>
+        </p:nvSpPr>
+        <p:spPr/>
+        <p:txBody>
+          <a:bodyPr/>
+          <a:lstStyle/>
+          <a:p>
+            <a:r>
+              <a:rPr lang="en-US" altLang="zh-CN" smtClean="0"/>
+              <a:t>atttt</a:t>
+            </a:r>
+            <a:endParaRPr lang="zh-CN" altLang="en-US" dirty="0"/>
+          </a:p>
+        </p:txBody>
+      </p:sp>
+      <p:sp>
+        <p:nvSpPr>
+          <p:cNvPr id="3" name="副标题 2"/>
+          <p:cNvSpPr>
+            <a:spLocks noGrp="1"/>
+          </p:cNvSpPr>
+          <p:nvPr>
+            <p:ph type="subTitle" idx="1"/>
+          </p:nvPr>
+        </p:nvSpPr>
+        <p:spPr/>
+        <p:txBody>
+          <a:bodyPr/>
+          <a:lstStyle/>
+          <a:p>
+            <a:endParaRPr lang="zh-CN" altLang="en-US"/>
+          </a:p>
+        </p:txBody>
+      </p:sp>
+    </p:spTree>
+    <p:extLst>
+      <p:ext uri="{BB962C8B-B14F-4D97-AF65-F5344CB8AC3E}">
+        <p14:creationId xmlns:p14="http://schemas.microsoft.com/office/powerpoint/2010/main" val="4279291480"/>
+      </p:ext>
+    </p:extLst>
+  </p:cSld>
+  <p:clrMapOvr>
+    <a:masterClrMapping/>
+  </p:clrMapOvr>
+</p:sld>
+</file>
+
 <file path=ppt/theme/theme1.xml><?xml version="1.0" encoding="utf-8"?>
 <a:theme xmlns:a="http://schemas.openxmlformats.org/drawingml/2006/main" name="Office 主题">
   <a:themeElements>

--- a/新建 Microsoft PowerPoint 演示文稿.pptx
+++ b/新建 Microsoft PowerPoint 演示文稿.pptx
@@ -7,6 +7,7 @@
   <p:sldIdLst>
     <p:sldId id="256" r:id="rId2"/>
     <p:sldId id="257" r:id="rId3"/>
+    <p:sldId id="258" r:id="rId4"/>
   </p:sldIdLst>
   <p:sldSz cx="12192000" cy="6858000"/>
   <p:notesSz cx="6858000" cy="9144000"/>
@@ -244,7 +245,7 @@
           <a:p>
             <a:fld id="{486420C0-E025-4925-922A-2E17471D3110}" type="datetimeFigureOut">
               <a:rPr lang="zh-CN" altLang="en-US" smtClean="0"/>
-              <a:t>2016/4/21</a:t>
+              <a:t>2016/4/23</a:t>
             </a:fld>
             <a:endParaRPr lang="zh-CN" altLang="en-US"/>
           </a:p>
@@ -414,7 +415,7 @@
           <a:p>
             <a:fld id="{486420C0-E025-4925-922A-2E17471D3110}" type="datetimeFigureOut">
               <a:rPr lang="zh-CN" altLang="en-US" smtClean="0"/>
-              <a:t>2016/4/21</a:t>
+              <a:t>2016/4/23</a:t>
             </a:fld>
             <a:endParaRPr lang="zh-CN" altLang="en-US"/>
           </a:p>
@@ -594,7 +595,7 @@
           <a:p>
             <a:fld id="{486420C0-E025-4925-922A-2E17471D3110}" type="datetimeFigureOut">
               <a:rPr lang="zh-CN" altLang="en-US" smtClean="0"/>
-              <a:t>2016/4/21</a:t>
+              <a:t>2016/4/23</a:t>
             </a:fld>
             <a:endParaRPr lang="zh-CN" altLang="en-US"/>
           </a:p>
@@ -764,7 +765,7 @@
           <a:p>
             <a:fld id="{486420C0-E025-4925-922A-2E17471D3110}" type="datetimeFigureOut">
               <a:rPr lang="zh-CN" altLang="en-US" smtClean="0"/>
-              <a:t>2016/4/21</a:t>
+              <a:t>2016/4/23</a:t>
             </a:fld>
             <a:endParaRPr lang="zh-CN" altLang="en-US"/>
           </a:p>
@@ -1010,7 +1011,7 @@
           <a:p>
             <a:fld id="{486420C0-E025-4925-922A-2E17471D3110}" type="datetimeFigureOut">
               <a:rPr lang="zh-CN" altLang="en-US" smtClean="0"/>
-              <a:t>2016/4/21</a:t>
+              <a:t>2016/4/23</a:t>
             </a:fld>
             <a:endParaRPr lang="zh-CN" altLang="en-US"/>
           </a:p>
@@ -1242,7 +1243,7 @@
           <a:p>
             <a:fld id="{486420C0-E025-4925-922A-2E17471D3110}" type="datetimeFigureOut">
               <a:rPr lang="zh-CN" altLang="en-US" smtClean="0"/>
-              <a:t>2016/4/21</a:t>
+              <a:t>2016/4/23</a:t>
             </a:fld>
             <a:endParaRPr lang="zh-CN" altLang="en-US"/>
           </a:p>
@@ -1609,7 +1610,7 @@
           <a:p>
             <a:fld id="{486420C0-E025-4925-922A-2E17471D3110}" type="datetimeFigureOut">
               <a:rPr lang="zh-CN" altLang="en-US" smtClean="0"/>
-              <a:t>2016/4/21</a:t>
+              <a:t>2016/4/23</a:t>
             </a:fld>
             <a:endParaRPr lang="zh-CN" altLang="en-US"/>
           </a:p>
@@ -1727,7 +1728,7 @@
           <a:p>
             <a:fld id="{486420C0-E025-4925-922A-2E17471D3110}" type="datetimeFigureOut">
               <a:rPr lang="zh-CN" altLang="en-US" smtClean="0"/>
-              <a:t>2016/4/21</a:t>
+              <a:t>2016/4/23</a:t>
             </a:fld>
             <a:endParaRPr lang="zh-CN" altLang="en-US"/>
           </a:p>
@@ -1822,7 +1823,7 @@
           <a:p>
             <a:fld id="{486420C0-E025-4925-922A-2E17471D3110}" type="datetimeFigureOut">
               <a:rPr lang="zh-CN" altLang="en-US" smtClean="0"/>
-              <a:t>2016/4/21</a:t>
+              <a:t>2016/4/23</a:t>
             </a:fld>
             <a:endParaRPr lang="zh-CN" altLang="en-US"/>
           </a:p>
@@ -2099,7 +2100,7 @@
           <a:p>
             <a:fld id="{486420C0-E025-4925-922A-2E17471D3110}" type="datetimeFigureOut">
               <a:rPr lang="zh-CN" altLang="en-US" smtClean="0"/>
-              <a:t>2016/4/21</a:t>
+              <a:t>2016/4/23</a:t>
             </a:fld>
             <a:endParaRPr lang="zh-CN" altLang="en-US"/>
           </a:p>
@@ -2352,7 +2353,7 @@
           <a:p>
             <a:fld id="{486420C0-E025-4925-922A-2E17471D3110}" type="datetimeFigureOut">
               <a:rPr lang="zh-CN" altLang="en-US" smtClean="0"/>
-              <a:t>2016/4/21</a:t>
+              <a:t>2016/4/23</a:t>
             </a:fld>
             <a:endParaRPr lang="zh-CN" altLang="en-US"/>
           </a:p>
@@ -2565,7 +2566,7 @@
           <a:p>
             <a:fld id="{486420C0-E025-4925-922A-2E17471D3110}" type="datetimeFigureOut">
               <a:rPr lang="zh-CN" altLang="en-US" smtClean="0"/>
-              <a:t>2016/4/21</a:t>
+              <a:t>2016/4/23</a:t>
             </a:fld>
             <a:endParaRPr lang="zh-CN" altLang="en-US"/>
           </a:p>
@@ -3097,6 +3098,78 @@
 </p:sld>
 </file>
 
+<file path=ppt/slides/slide3.xml><?xml version="1.0" encoding="utf-8"?>
+<p:sld xmlns:a="http://schemas.openxmlformats.org/drawingml/2006/main" xmlns:r="http://schemas.openxmlformats.org/officeDocument/2006/relationships" xmlns:p="http://schemas.openxmlformats.org/presentationml/2006/main">
+  <p:cSld>
+    <p:spTree>
+      <p:nvGrpSpPr>
+        <p:cNvPr id="1" name=""/>
+        <p:cNvGrpSpPr/>
+        <p:nvPr/>
+      </p:nvGrpSpPr>
+      <p:grpSpPr>
+        <a:xfrm>
+          <a:off x="0" y="0"/>
+          <a:ext cx="0" cy="0"/>
+          <a:chOff x="0" y="0"/>
+          <a:chExt cx="0" cy="0"/>
+        </a:xfrm>
+      </p:grpSpPr>
+      <p:sp>
+        <p:nvSpPr>
+          <p:cNvPr id="2" name="标题 1"/>
+          <p:cNvSpPr>
+            <a:spLocks noGrp="1"/>
+          </p:cNvSpPr>
+          <p:nvPr>
+            <p:ph type="ctrTitle"/>
+          </p:nvPr>
+        </p:nvSpPr>
+        <p:spPr/>
+        <p:txBody>
+          <a:bodyPr/>
+          <a:lstStyle/>
+          <a:p>
+            <a:r>
+              <a:rPr lang="en-US" altLang="zh-CN" smtClean="0"/>
+              <a:t>atttt</a:t>
+            </a:r>
+            <a:endParaRPr lang="zh-CN" altLang="en-US" dirty="0"/>
+          </a:p>
+        </p:txBody>
+      </p:sp>
+      <p:sp>
+        <p:nvSpPr>
+          <p:cNvPr id="3" name="副标题 2"/>
+          <p:cNvSpPr>
+            <a:spLocks noGrp="1"/>
+          </p:cNvSpPr>
+          <p:nvPr>
+            <p:ph type="subTitle" idx="1"/>
+          </p:nvPr>
+        </p:nvSpPr>
+        <p:spPr/>
+        <p:txBody>
+          <a:bodyPr/>
+          <a:lstStyle/>
+          <a:p>
+            <a:endParaRPr lang="zh-CN" altLang="en-US"/>
+          </a:p>
+        </p:txBody>
+      </p:sp>
+    </p:spTree>
+    <p:extLst>
+      <p:ext uri="{BB962C8B-B14F-4D97-AF65-F5344CB8AC3E}">
+        <p14:creationId xmlns:p14="http://schemas.microsoft.com/office/powerpoint/2010/main" val="3498347811"/>
+      </p:ext>
+    </p:extLst>
+  </p:cSld>
+  <p:clrMapOvr>
+    <a:masterClrMapping/>
+  </p:clrMapOvr>
+</p:sld>
+</file>
+
 <file path=ppt/theme/theme1.xml><?xml version="1.0" encoding="utf-8"?>
 <a:theme xmlns:a="http://schemas.openxmlformats.org/drawingml/2006/main" name="Office 主题">
   <a:themeElements>

--- a/新建 Microsoft PowerPoint 演示文稿.pptx
+++ b/新建 Microsoft PowerPoint 演示文稿.pptx
@@ -8,6 +8,7 @@
     <p:sldId id="256" r:id="rId2"/>
     <p:sldId id="257" r:id="rId3"/>
     <p:sldId id="258" r:id="rId4"/>
+    <p:sldId id="259" r:id="rId5"/>
   </p:sldIdLst>
   <p:sldSz cx="12192000" cy="6858000"/>
   <p:notesSz cx="6858000" cy="9144000"/>
@@ -108,7 +109,7 @@
   </p:defaultTextStyle>
   <p:extLst>
     <p:ext uri="{EFAFB233-063F-42B5-8137-9DF3F51BA10A}">
-      <p15:sldGuideLst xmlns:p15="http://schemas.microsoft.com/office/powerpoint/2012/main"/>
+      <p15:sldGuideLst xmlns:p15="http://schemas.microsoft.com/office/powerpoint/2012/main" xmlns=""/>
     </p:ext>
   </p:extLst>
 </p:presentation>
@@ -245,7 +246,7 @@
           <a:p>
             <a:fld id="{486420C0-E025-4925-922A-2E17471D3110}" type="datetimeFigureOut">
               <a:rPr lang="zh-CN" altLang="en-US" smtClean="0"/>
-              <a:t>2016/4/23</a:t>
+              <a:t>2016-4-23</a:t>
             </a:fld>
             <a:endParaRPr lang="zh-CN" altLang="en-US"/>
           </a:p>
@@ -415,7 +416,7 @@
           <a:p>
             <a:fld id="{486420C0-E025-4925-922A-2E17471D3110}" type="datetimeFigureOut">
               <a:rPr lang="zh-CN" altLang="en-US" smtClean="0"/>
-              <a:t>2016/4/23</a:t>
+              <a:t>2016-4-23</a:t>
             </a:fld>
             <a:endParaRPr lang="zh-CN" altLang="en-US"/>
           </a:p>
@@ -595,7 +596,7 @@
           <a:p>
             <a:fld id="{486420C0-E025-4925-922A-2E17471D3110}" type="datetimeFigureOut">
               <a:rPr lang="zh-CN" altLang="en-US" smtClean="0"/>
-              <a:t>2016/4/23</a:t>
+              <a:t>2016-4-23</a:t>
             </a:fld>
             <a:endParaRPr lang="zh-CN" altLang="en-US"/>
           </a:p>
@@ -765,7 +766,7 @@
           <a:p>
             <a:fld id="{486420C0-E025-4925-922A-2E17471D3110}" type="datetimeFigureOut">
               <a:rPr lang="zh-CN" altLang="en-US" smtClean="0"/>
-              <a:t>2016/4/23</a:t>
+              <a:t>2016-4-23</a:t>
             </a:fld>
             <a:endParaRPr lang="zh-CN" altLang="en-US"/>
           </a:p>
@@ -1011,7 +1012,7 @@
           <a:p>
             <a:fld id="{486420C0-E025-4925-922A-2E17471D3110}" type="datetimeFigureOut">
               <a:rPr lang="zh-CN" altLang="en-US" smtClean="0"/>
-              <a:t>2016/4/23</a:t>
+              <a:t>2016-4-23</a:t>
             </a:fld>
             <a:endParaRPr lang="zh-CN" altLang="en-US"/>
           </a:p>
@@ -1243,7 +1244,7 @@
           <a:p>
             <a:fld id="{486420C0-E025-4925-922A-2E17471D3110}" type="datetimeFigureOut">
               <a:rPr lang="zh-CN" altLang="en-US" smtClean="0"/>
-              <a:t>2016/4/23</a:t>
+              <a:t>2016-4-23</a:t>
             </a:fld>
             <a:endParaRPr lang="zh-CN" altLang="en-US"/>
           </a:p>
@@ -1610,7 +1611,7 @@
           <a:p>
             <a:fld id="{486420C0-E025-4925-922A-2E17471D3110}" type="datetimeFigureOut">
               <a:rPr lang="zh-CN" altLang="en-US" smtClean="0"/>
-              <a:t>2016/4/23</a:t>
+              <a:t>2016-4-23</a:t>
             </a:fld>
             <a:endParaRPr lang="zh-CN" altLang="en-US"/>
           </a:p>
@@ -1728,7 +1729,7 @@
           <a:p>
             <a:fld id="{486420C0-E025-4925-922A-2E17471D3110}" type="datetimeFigureOut">
               <a:rPr lang="zh-CN" altLang="en-US" smtClean="0"/>
-              <a:t>2016/4/23</a:t>
+              <a:t>2016-4-23</a:t>
             </a:fld>
             <a:endParaRPr lang="zh-CN" altLang="en-US"/>
           </a:p>
@@ -1823,7 +1824,7 @@
           <a:p>
             <a:fld id="{486420C0-E025-4925-922A-2E17471D3110}" type="datetimeFigureOut">
               <a:rPr lang="zh-CN" altLang="en-US" smtClean="0"/>
-              <a:t>2016/4/23</a:t>
+              <a:t>2016-4-23</a:t>
             </a:fld>
             <a:endParaRPr lang="zh-CN" altLang="en-US"/>
           </a:p>
@@ -2100,7 +2101,7 @@
           <a:p>
             <a:fld id="{486420C0-E025-4925-922A-2E17471D3110}" type="datetimeFigureOut">
               <a:rPr lang="zh-CN" altLang="en-US" smtClean="0"/>
-              <a:t>2016/4/23</a:t>
+              <a:t>2016-4-23</a:t>
             </a:fld>
             <a:endParaRPr lang="zh-CN" altLang="en-US"/>
           </a:p>
@@ -2353,7 +2354,7 @@
           <a:p>
             <a:fld id="{486420C0-E025-4925-922A-2E17471D3110}" type="datetimeFigureOut">
               <a:rPr lang="zh-CN" altLang="en-US" smtClean="0"/>
-              <a:t>2016/4/23</a:t>
+              <a:t>2016-4-23</a:t>
             </a:fld>
             <a:endParaRPr lang="zh-CN" altLang="en-US"/>
           </a:p>
@@ -2566,7 +2567,7 @@
           <a:p>
             <a:fld id="{486420C0-E025-4925-922A-2E17471D3110}" type="datetimeFigureOut">
               <a:rPr lang="zh-CN" altLang="en-US" smtClean="0"/>
-              <a:t>2016/4/23</a:t>
+              <a:t>2016-4-23</a:t>
             </a:fld>
             <a:endParaRPr lang="zh-CN" altLang="en-US"/>
           </a:p>
@@ -3170,6 +3171,78 @@
 </p:sld>
 </file>
 
+<file path=ppt/slides/slide4.xml><?xml version="1.0" encoding="utf-8"?>
+<p:sld xmlns:a="http://schemas.openxmlformats.org/drawingml/2006/main" xmlns:r="http://schemas.openxmlformats.org/officeDocument/2006/relationships" xmlns:p="http://schemas.openxmlformats.org/presentationml/2006/main">
+  <p:cSld>
+    <p:spTree>
+      <p:nvGrpSpPr>
+        <p:cNvPr id="1" name=""/>
+        <p:cNvGrpSpPr/>
+        <p:nvPr/>
+      </p:nvGrpSpPr>
+      <p:grpSpPr>
+        <a:xfrm>
+          <a:off x="0" y="0"/>
+          <a:ext cx="0" cy="0"/>
+          <a:chOff x="0" y="0"/>
+          <a:chExt cx="0" cy="0"/>
+        </a:xfrm>
+      </p:grpSpPr>
+      <p:sp>
+        <p:nvSpPr>
+          <p:cNvPr id="2" name="标题 1"/>
+          <p:cNvSpPr>
+            <a:spLocks noGrp="1"/>
+          </p:cNvSpPr>
+          <p:nvPr>
+            <p:ph type="ctrTitle"/>
+          </p:nvPr>
+        </p:nvSpPr>
+        <p:spPr/>
+        <p:txBody>
+          <a:bodyPr/>
+          <a:lstStyle/>
+          <a:p>
+            <a:r>
+              <a:rPr lang="en-US" altLang="zh-CN" smtClean="0"/>
+              <a:t>atttt</a:t>
+            </a:r>
+            <a:endParaRPr lang="zh-CN" altLang="en-US" dirty="0"/>
+          </a:p>
+        </p:txBody>
+      </p:sp>
+      <p:sp>
+        <p:nvSpPr>
+          <p:cNvPr id="3" name="副标题 2"/>
+          <p:cNvSpPr>
+            <a:spLocks noGrp="1"/>
+          </p:cNvSpPr>
+          <p:nvPr>
+            <p:ph type="subTitle" idx="1"/>
+          </p:nvPr>
+        </p:nvSpPr>
+        <p:spPr/>
+        <p:txBody>
+          <a:bodyPr/>
+          <a:lstStyle/>
+          <a:p>
+            <a:endParaRPr lang="zh-CN" altLang="en-US"/>
+          </a:p>
+        </p:txBody>
+      </p:sp>
+    </p:spTree>
+    <p:extLst>
+      <p:ext uri="{BB962C8B-B14F-4D97-AF65-F5344CB8AC3E}">
+        <p14:creationId xmlns:p14="http://schemas.microsoft.com/office/powerpoint/2010/main" val="3246165446"/>
+      </p:ext>
+    </p:extLst>
+  </p:cSld>
+  <p:clrMapOvr>
+    <a:masterClrMapping/>
+  </p:clrMapOvr>
+</p:sld>
+</file>
+
 <file path=ppt/theme/theme1.xml><?xml version="1.0" encoding="utf-8"?>
 <a:theme xmlns:a="http://schemas.openxmlformats.org/drawingml/2006/main" name="Office 主题">
   <a:themeElements>
@@ -3213,7 +3286,7 @@
     </a:clrScheme>
     <a:fontScheme name="Office">
       <a:majorFont>
-        <a:latin typeface="Calibri Light" panose="020F0302020204030204"/>
+        <a:latin typeface="Calibri Light"/>
         <a:ea typeface=""/>
         <a:cs typeface=""/>
         <a:font script="Jpan" typeface="ＭＳ Ｐゴシック"/>
@@ -3248,7 +3321,7 @@
         <a:font script="Geor" typeface="Sylfaen"/>
       </a:majorFont>
       <a:minorFont>
-        <a:latin typeface="Calibri" panose="020F0502020204030204"/>
+        <a:latin typeface="Calibri"/>
         <a:ea typeface=""/>
         <a:cs typeface=""/>
         <a:font script="Jpan" typeface="ＭＳ Ｐゴシック"/>
@@ -3425,7 +3498,7 @@
   <a:extraClrSchemeLst/>
   <a:extLst>
     <a:ext uri="{05A4C25C-085E-4340-85A3-A5531E510DB2}">
-      <thm15:themeFamily xmlns:thm15="http://schemas.microsoft.com/office/thememl/2012/main" name="Office Theme" id="{62F939B6-93AF-4DB8-9C6B-D6C7DFDC589F}" vid="{4A3C46E8-61CC-4603-A589-7422A47A8E4A}"/>
+      <thm15:themeFamily xmlns:thm15="http://schemas.microsoft.com/office/thememl/2012/main" xmlns="" name="Office Theme" id="{62F939B6-93AF-4DB8-9C6B-D6C7DFDC589F}" vid="{4A3C46E8-61CC-4603-A589-7422A47A8E4A}"/>
     </a:ext>
   </a:extLst>
 </a:theme>
